--- a/Figures.pptx
+++ b/Figures.pptx
@@ -6,6 +6,9 @@
   </p:sldMasterIdLst>
   <p:sldIdLst>
     <p:sldId id="256" r:id="rId2"/>
+    <p:sldId id="257" r:id="rId3"/>
+    <p:sldId id="258" r:id="rId4"/>
+    <p:sldId id="259" r:id="rId5"/>
   </p:sldIdLst>
   <p:sldSz cx="12192000" cy="6858000"/>
   <p:notesSz cx="6858000" cy="9144000"/>
@@ -104,6 +107,11 @@
       </a:defRPr>
     </a:lvl9pPr>
   </p:defaultTextStyle>
+  <p:extLst>
+    <p:ext uri="{EFAFB233-063F-42B5-8137-9DF3F51BA10A}">
+      <p15:sldGuideLst xmlns:p15="http://schemas.microsoft.com/office/powerpoint/2012/main"/>
+    </p:ext>
+  </p:extLst>
 </p:presentation>
 </file>
 
@@ -254,7 +262,7 @@
           <a:p>
             <a:fld id="{31C19490-FCF6-BD42-94B7-92A1463DC2FA}" type="datetimeFigureOut">
               <a:rPr lang="en-US" smtClean="0"/>
-              <a:t>4/6/24</a:t>
+              <a:t>4/27/24</a:t>
             </a:fld>
             <a:endParaRPr lang="en-US"/>
           </a:p>
@@ -452,7 +460,7 @@
           <a:p>
             <a:fld id="{31C19490-FCF6-BD42-94B7-92A1463DC2FA}" type="datetimeFigureOut">
               <a:rPr lang="en-US" smtClean="0"/>
-              <a:t>4/6/24</a:t>
+              <a:t>4/27/24</a:t>
             </a:fld>
             <a:endParaRPr lang="en-US"/>
           </a:p>
@@ -660,7 +668,7 @@
           <a:p>
             <a:fld id="{31C19490-FCF6-BD42-94B7-92A1463DC2FA}" type="datetimeFigureOut">
               <a:rPr lang="en-US" smtClean="0"/>
-              <a:t>4/6/24</a:t>
+              <a:t>4/27/24</a:t>
             </a:fld>
             <a:endParaRPr lang="en-US"/>
           </a:p>
@@ -858,7 +866,7 @@
           <a:p>
             <a:fld id="{31C19490-FCF6-BD42-94B7-92A1463DC2FA}" type="datetimeFigureOut">
               <a:rPr lang="en-US" smtClean="0"/>
-              <a:t>4/6/24</a:t>
+              <a:t>4/27/24</a:t>
             </a:fld>
             <a:endParaRPr lang="en-US"/>
           </a:p>
@@ -1133,7 +1141,7 @@
           <a:p>
             <a:fld id="{31C19490-FCF6-BD42-94B7-92A1463DC2FA}" type="datetimeFigureOut">
               <a:rPr lang="en-US" smtClean="0"/>
-              <a:t>4/6/24</a:t>
+              <a:t>4/27/24</a:t>
             </a:fld>
             <a:endParaRPr lang="en-US"/>
           </a:p>
@@ -1398,7 +1406,7 @@
           <a:p>
             <a:fld id="{31C19490-FCF6-BD42-94B7-92A1463DC2FA}" type="datetimeFigureOut">
               <a:rPr lang="en-US" smtClean="0"/>
-              <a:t>4/6/24</a:t>
+              <a:t>4/27/24</a:t>
             </a:fld>
             <a:endParaRPr lang="en-US"/>
           </a:p>
@@ -1810,7 +1818,7 @@
           <a:p>
             <a:fld id="{31C19490-FCF6-BD42-94B7-92A1463DC2FA}" type="datetimeFigureOut">
               <a:rPr lang="en-US" smtClean="0"/>
-              <a:t>4/6/24</a:t>
+              <a:t>4/27/24</a:t>
             </a:fld>
             <a:endParaRPr lang="en-US"/>
           </a:p>
@@ -1951,7 +1959,7 @@
           <a:p>
             <a:fld id="{31C19490-FCF6-BD42-94B7-92A1463DC2FA}" type="datetimeFigureOut">
               <a:rPr lang="en-US" smtClean="0"/>
-              <a:t>4/6/24</a:t>
+              <a:t>4/27/24</a:t>
             </a:fld>
             <a:endParaRPr lang="en-US"/>
           </a:p>
@@ -2064,7 +2072,7 @@
           <a:p>
             <a:fld id="{31C19490-FCF6-BD42-94B7-92A1463DC2FA}" type="datetimeFigureOut">
               <a:rPr lang="en-US" smtClean="0"/>
-              <a:t>4/6/24</a:t>
+              <a:t>4/27/24</a:t>
             </a:fld>
             <a:endParaRPr lang="en-US"/>
           </a:p>
@@ -2375,7 +2383,7 @@
           <a:p>
             <a:fld id="{31C19490-FCF6-BD42-94B7-92A1463DC2FA}" type="datetimeFigureOut">
               <a:rPr lang="en-US" smtClean="0"/>
-              <a:t>4/6/24</a:t>
+              <a:t>4/27/24</a:t>
             </a:fld>
             <a:endParaRPr lang="en-US"/>
           </a:p>
@@ -2663,7 +2671,7 @@
           <a:p>
             <a:fld id="{31C19490-FCF6-BD42-94B7-92A1463DC2FA}" type="datetimeFigureOut">
               <a:rPr lang="en-US" smtClean="0"/>
-              <a:t>4/6/24</a:t>
+              <a:t>4/27/24</a:t>
             </a:fld>
             <a:endParaRPr lang="en-US"/>
           </a:p>
@@ -2904,7 +2912,7 @@
           <a:p>
             <a:fld id="{31C19490-FCF6-BD42-94B7-92A1463DC2FA}" type="datetimeFigureOut">
               <a:rPr lang="en-US" smtClean="0"/>
-              <a:t>4/6/24</a:t>
+              <a:t>4/27/24</a:t>
             </a:fld>
             <a:endParaRPr lang="en-US"/>
           </a:p>
@@ -3323,10 +3331,10 @@
       </p:grpSpPr>
       <p:sp>
         <p:nvSpPr>
-          <p:cNvPr id="20" name="Rounded Rectangle 19">
-            <a:extLst>
-              <a:ext uri="{FF2B5EF4-FFF2-40B4-BE49-F238E27FC236}">
-                <a16:creationId xmlns:a16="http://schemas.microsoft.com/office/drawing/2014/main" id="{89BB6830-CDBC-1193-22D9-E5857B920EB7}"/>
+          <p:cNvPr id="4" name="Rounded Rectangle 3">
+            <a:extLst>
+              <a:ext uri="{FF2B5EF4-FFF2-40B4-BE49-F238E27FC236}">
+                <a16:creationId xmlns:a16="http://schemas.microsoft.com/office/drawing/2014/main" id="{B1027A86-83DE-1E13-47BA-85AA0E75C75E}"/>
               </a:ext>
             </a:extLst>
           </p:cNvPr>
@@ -3335,14 +3343,16 @@
         </p:nvSpPr>
         <p:spPr>
           <a:xfrm>
-            <a:off x="1212926" y="570732"/>
-            <a:ext cx="5991810" cy="2858267"/>
+            <a:off x="1442267" y="584224"/>
+            <a:ext cx="5617333" cy="2553545"/>
           </a:xfrm>
           <a:prstGeom prst="roundRect">
-            <a:avLst/>
+            <a:avLst>
+              <a:gd name="adj" fmla="val 20346"/>
+            </a:avLst>
           </a:prstGeom>
           <a:solidFill>
-            <a:srgbClr val="EDF6FA"/>
+            <a:srgbClr val="EDF6FB"/>
           </a:solidFill>
           <a:ln>
             <a:noFill/>
@@ -3369,6 +3379,61 @@
           <a:lstStyle/>
           <a:p>
             <a:pPr algn="ctr"/>
+            <a:endParaRPr lang="en-US"/>
+          </a:p>
+        </p:txBody>
+      </p:sp>
+      <p:sp>
+        <p:nvSpPr>
+          <p:cNvPr id="20" name="Rounded Rectangle 19">
+            <a:extLst>
+              <a:ext uri="{FF2B5EF4-FFF2-40B4-BE49-F238E27FC236}">
+                <a16:creationId xmlns:a16="http://schemas.microsoft.com/office/drawing/2014/main" id="{89BB6830-CDBC-1193-22D9-E5857B920EB7}"/>
+              </a:ext>
+            </a:extLst>
+          </p:cNvPr>
+          <p:cNvSpPr/>
+          <p:nvPr/>
+        </p:nvSpPr>
+        <p:spPr>
+          <a:xfrm>
+            <a:off x="1255029" y="156975"/>
+            <a:ext cx="5991810" cy="5779964"/>
+          </a:xfrm>
+          <a:prstGeom prst="roundRect">
+            <a:avLst>
+              <a:gd name="adj" fmla="val 12333"/>
+            </a:avLst>
+          </a:prstGeom>
+          <a:noFill/>
+          <a:ln w="57150">
+            <a:solidFill>
+              <a:srgbClr val="EDF6FB"/>
+            </a:solidFill>
+            <a:prstDash val="dash"/>
+          </a:ln>
+        </p:spPr>
+        <p:style>
+          <a:lnRef idx="2">
+            <a:schemeClr val="accent1">
+              <a:shade val="15000"/>
+            </a:schemeClr>
+          </a:lnRef>
+          <a:fillRef idx="1">
+            <a:schemeClr val="accent1"/>
+          </a:fillRef>
+          <a:effectRef idx="0">
+            <a:schemeClr val="accent1"/>
+          </a:effectRef>
+          <a:fontRef idx="minor">
+            <a:schemeClr val="lt1"/>
+          </a:fontRef>
+        </p:style>
+        <p:txBody>
+          <a:bodyPr rtlCol="0" anchor="ctr"/>
+          <a:lstStyle/>
+          <a:p>
+            <a:pPr algn="ctr"/>
             <a:endParaRPr lang="en-US" dirty="0"/>
           </a:p>
         </p:txBody>
@@ -3387,11 +3452,12 @@
         </p:nvGrpSpPr>
         <p:grpSpPr>
           <a:xfrm>
-            <a:off x="2022176" y="1451558"/>
+            <a:off x="2149462" y="1239877"/>
             <a:ext cx="542807" cy="1497407"/>
             <a:chOff x="1681268" y="1454449"/>
             <a:chExt cx="542807" cy="1497407"/>
           </a:xfrm>
+          <a:noFill/>
         </p:grpSpPr>
         <p:sp>
           <p:nvSpPr>
@@ -3413,11 +3479,12 @@
             <a:prstGeom prst="roundRect">
               <a:avLst/>
             </a:prstGeom>
-            <a:solidFill>
-              <a:srgbClr val="83C6BF"/>
-            </a:solidFill>
-            <a:ln>
-              <a:noFill/>
+            <a:grpFill/>
+            <a:ln w="38100">
+              <a:solidFill>
+                <a:srgbClr val="83C6BF"/>
+              </a:solidFill>
+              <a:prstDash val="dash"/>
             </a:ln>
           </p:spPr>
           <p:style>
@@ -3473,6 +3540,7 @@
             <a:prstGeom prst="rect">
               <a:avLst/>
             </a:prstGeom>
+            <a:grpFill/>
           </p:spPr>
         </p:pic>
         <p:pic>
@@ -3503,6 +3571,7 @@
             <a:prstGeom prst="rect">
               <a:avLst/>
             </a:prstGeom>
+            <a:grpFill/>
           </p:spPr>
         </p:pic>
         <p:pic>
@@ -3533,6 +3602,7 @@
             <a:prstGeom prst="rect">
               <a:avLst/>
             </a:prstGeom>
+            <a:grpFill/>
           </p:spPr>
         </p:pic>
       </p:grpSp>
@@ -3550,9 +3620,9 @@
         </p:nvGrpSpPr>
         <p:grpSpPr>
           <a:xfrm>
-            <a:off x="1382731" y="1543559"/>
+            <a:off x="1490684" y="1334826"/>
             <a:ext cx="670376" cy="1316711"/>
-            <a:chOff x="7845113" y="1451226"/>
+            <a:chOff x="7826324" y="1684674"/>
             <a:chExt cx="670376" cy="1316711"/>
           </a:xfrm>
         </p:grpSpPr>
@@ -3570,7 +3640,7 @@
           </p:nvSpPr>
           <p:spPr>
             <a:xfrm>
-              <a:off x="7853029" y="2490938"/>
+              <a:off x="7834240" y="2724386"/>
               <a:ext cx="413896" cy="276999"/>
             </a:xfrm>
             <a:prstGeom prst="rect">
@@ -3611,7 +3681,7 @@
           </p:nvSpPr>
           <p:spPr>
             <a:xfrm>
-              <a:off x="7853029" y="1969430"/>
+              <a:off x="7834240" y="2202878"/>
               <a:ext cx="463588" cy="276999"/>
             </a:xfrm>
             <a:prstGeom prst="rect">
@@ -3652,7 +3722,7 @@
           </p:nvSpPr>
           <p:spPr>
             <a:xfrm>
-              <a:off x="7845113" y="1451226"/>
+              <a:off x="7826324" y="1684674"/>
               <a:ext cx="670376" cy="276999"/>
             </a:xfrm>
             <a:prstGeom prst="rect">
@@ -3694,7 +3764,7 @@
         </p:nvSpPr>
         <p:spPr>
           <a:xfrm>
-            <a:off x="2654924" y="2015595"/>
+            <a:off x="2702612" y="1803914"/>
             <a:ext cx="322524" cy="369332"/>
           </a:xfrm>
           <a:prstGeom prst="rect">
@@ -3733,8 +3803,8 @@
         </p:nvGrpSpPr>
         <p:grpSpPr>
           <a:xfrm>
-            <a:off x="5418894" y="1216178"/>
-            <a:ext cx="1549591" cy="2024111"/>
+            <a:off x="5227386" y="1195889"/>
+            <a:ext cx="1549591" cy="1722673"/>
             <a:chOff x="8133507" y="1215019"/>
             <a:chExt cx="1536317" cy="2084540"/>
           </a:xfrm>
@@ -4182,15 +4252,19 @@
         </p:nvSpPr>
         <p:spPr>
           <a:xfrm>
-            <a:off x="2977448" y="1646131"/>
+            <a:off x="3041559" y="1425793"/>
             <a:ext cx="1160653" cy="1099166"/>
           </a:xfrm>
           <a:prstGeom prst="roundRect">
             <a:avLst/>
           </a:prstGeom>
-          <a:solidFill>
-            <a:srgbClr val="FFDDD2"/>
-          </a:solidFill>
+          <a:noFill/>
+          <a:ln w="38100">
+            <a:solidFill>
+              <a:srgbClr val="FFDDD2"/>
+            </a:solidFill>
+            <a:prstDash val="dash"/>
+          </a:ln>
         </p:spPr>
         <p:txBody>
           <a:bodyPr wrap="none" rtlCol="0">
@@ -4268,13 +4342,15 @@
               </a:ext>
             </a:extLst>
           </p:cNvPr>
-          <p:cNvCxnSpPr/>
+          <p:cNvCxnSpPr>
+            <a:cxnSpLocks/>
+          </p:cNvCxnSpPr>
           <p:nvPr/>
         </p:nvCxnSpPr>
         <p:spPr>
           <a:xfrm>
-            <a:off x="4265154" y="2195714"/>
-            <a:ext cx="1043276" cy="0"/>
+            <a:off x="4313746" y="2003132"/>
+            <a:ext cx="820413" cy="0"/>
           </a:xfrm>
           <a:prstGeom prst="straightConnector1">
             <a:avLst/>
@@ -4312,7 +4388,7 @@
         </p:nvSpPr>
         <p:spPr>
           <a:xfrm>
-            <a:off x="1819656" y="1143781"/>
+            <a:off x="1864682" y="701600"/>
             <a:ext cx="947845" cy="307777"/>
           </a:xfrm>
           <a:prstGeom prst="rect">
@@ -4353,7 +4429,7 @@
         </p:nvSpPr>
         <p:spPr>
           <a:xfrm>
-            <a:off x="5450271" y="710639"/>
+            <a:off x="5229699" y="693455"/>
             <a:ext cx="1636339" cy="523220"/>
           </a:xfrm>
           <a:prstGeom prst="rect">
@@ -4394,7 +4470,7 @@
         </p:nvSpPr>
         <p:spPr>
           <a:xfrm>
-            <a:off x="3055673" y="1148115"/>
+            <a:off x="3083181" y="701600"/>
             <a:ext cx="1004201" cy="523220"/>
           </a:xfrm>
           <a:prstGeom prst="rect">
@@ -4443,7 +4519,7 @@
         </p:blipFill>
         <p:spPr>
           <a:xfrm>
-            <a:off x="4377933" y="1771040"/>
+            <a:off x="4295960" y="1632894"/>
             <a:ext cx="312936" cy="312936"/>
           </a:xfrm>
           <a:prstGeom prst="rect">
@@ -4465,7 +4541,7 @@
         </p:nvSpPr>
         <p:spPr>
           <a:xfrm>
-            <a:off x="4686999" y="1811496"/>
+            <a:off x="4605026" y="1673350"/>
             <a:ext cx="947845" cy="307777"/>
           </a:xfrm>
           <a:prstGeom prst="rect">
@@ -4506,7 +4582,7 @@
         </p:nvSpPr>
         <p:spPr>
           <a:xfrm>
-            <a:off x="3096866" y="2737459"/>
+            <a:off x="3160555" y="2539743"/>
             <a:ext cx="886781" cy="215444"/>
           </a:xfrm>
           <a:prstGeom prst="rect">
@@ -4533,10 +4609,1099 @@
           </a:p>
         </p:txBody>
       </p:sp>
+      <p:sp>
+        <p:nvSpPr>
+          <p:cNvPr id="3" name="TextBox 2">
+            <a:extLst>
+              <a:ext uri="{FF2B5EF4-FFF2-40B4-BE49-F238E27FC236}">
+                <a16:creationId xmlns:a16="http://schemas.microsoft.com/office/drawing/2014/main" id="{DB513212-6D09-807E-9A88-E09DBC1CC619}"/>
+              </a:ext>
+            </a:extLst>
+          </p:cNvPr>
+          <p:cNvSpPr txBox="1"/>
+          <p:nvPr/>
+        </p:nvSpPr>
+        <p:spPr>
+          <a:xfrm>
+            <a:off x="2065150" y="2748345"/>
+            <a:ext cx="736099" cy="215444"/>
+          </a:xfrm>
+          <a:prstGeom prst="rect">
+            <a:avLst/>
+          </a:prstGeom>
+          <a:noFill/>
+        </p:spPr>
+        <p:txBody>
+          <a:bodyPr wrap="none" rtlCol="0">
+            <a:spAutoFit/>
+          </a:bodyPr>
+          <a:lstStyle/>
+          <a:p>
+            <a:r>
+              <a:rPr lang="en-US" sz="800" dirty="0">
+                <a:solidFill>
+                  <a:srgbClr val="006D77"/>
+                </a:solidFill>
+                <a:latin typeface="Baloo Bhaijaan" panose="03080902040302020200" pitchFamily="66" charset="-78"/>
+                <a:cs typeface="Baloo Bhaijaan" panose="03080902040302020200" pitchFamily="66" charset="-78"/>
+              </a:rPr>
+              <a:t>SVG</a:t>
+            </a:r>
+            <a:r>
+              <a:rPr lang="zh-CN" altLang="en-US" sz="800" dirty="0">
+                <a:solidFill>
+                  <a:srgbClr val="006D77"/>
+                </a:solidFill>
+                <a:latin typeface="Baloo Bhaijaan" panose="03080902040302020200" pitchFamily="66" charset="-78"/>
+                <a:cs typeface="Baloo Bhaijaan" panose="03080902040302020200" pitchFamily="66" charset="-78"/>
+              </a:rPr>
+              <a:t> </a:t>
+            </a:r>
+            <a:r>
+              <a:rPr lang="en-US" altLang="zh-CN" sz="800" dirty="0">
+                <a:solidFill>
+                  <a:srgbClr val="006D77"/>
+                </a:solidFill>
+                <a:latin typeface="Baloo Bhaijaan" panose="03080902040302020200" pitchFamily="66" charset="-78"/>
+                <a:cs typeface="Baloo Bhaijaan" panose="03080902040302020200" pitchFamily="66" charset="-78"/>
+              </a:rPr>
+              <a:t>Format</a:t>
+            </a:r>
+            <a:endParaRPr lang="en-US" sz="800" dirty="0">
+              <a:solidFill>
+                <a:srgbClr val="006D77"/>
+              </a:solidFill>
+              <a:latin typeface="Baloo Bhaijaan" panose="03080902040302020200" pitchFamily="66" charset="-78"/>
+              <a:cs typeface="Baloo Bhaijaan" panose="03080902040302020200" pitchFamily="66" charset="-78"/>
+            </a:endParaRPr>
+          </a:p>
+        </p:txBody>
+      </p:sp>
+      <p:sp>
+        <p:nvSpPr>
+          <p:cNvPr id="5" name="TextBox 4">
+            <a:extLst>
+              <a:ext uri="{FF2B5EF4-FFF2-40B4-BE49-F238E27FC236}">
+                <a16:creationId xmlns:a16="http://schemas.microsoft.com/office/drawing/2014/main" id="{9107C603-1D86-B2F9-4E0C-A88D54003A97}"/>
+              </a:ext>
+            </a:extLst>
+          </p:cNvPr>
+          <p:cNvSpPr txBox="1"/>
+          <p:nvPr/>
+        </p:nvSpPr>
+        <p:spPr>
+          <a:xfrm>
+            <a:off x="3617051" y="140097"/>
+            <a:ext cx="1004201" cy="523220"/>
+          </a:xfrm>
+          <a:prstGeom prst="rect">
+            <a:avLst/>
+          </a:prstGeom>
+          <a:noFill/>
+        </p:spPr>
+        <p:txBody>
+          <a:bodyPr wrap="square" rtlCol="0">
+            <a:spAutoFit/>
+          </a:bodyPr>
+          <a:lstStyle/>
+          <a:p>
+            <a:r>
+              <a:rPr lang="en-US" sz="1400" dirty="0">
+                <a:solidFill>
+                  <a:srgbClr val="006D77"/>
+                </a:solidFill>
+                <a:latin typeface="Baloo Bhaijaan" panose="03080902040302020200" pitchFamily="66" charset="-78"/>
+                <a:cs typeface="Baloo Bhaijaan" panose="03080902040302020200" pitchFamily="66" charset="-78"/>
+              </a:rPr>
+              <a:t>Plot Difficulty</a:t>
+            </a:r>
+          </a:p>
+        </p:txBody>
+      </p:sp>
     </p:spTree>
     <p:extLst>
       <p:ext uri="{BB962C8B-B14F-4D97-AF65-F5344CB8AC3E}">
         <p14:creationId xmlns:p14="http://schemas.microsoft.com/office/powerpoint/2010/main" val="107814185"/>
+      </p:ext>
+    </p:extLst>
+  </p:cSld>
+  <p:clrMapOvr>
+    <a:masterClrMapping/>
+  </p:clrMapOvr>
+</p:sld>
+</file>
+
+<file path=ppt/slides/slide2.xml><?xml version="1.0" encoding="utf-8"?>
+<p:sld xmlns:a="http://schemas.openxmlformats.org/drawingml/2006/main" xmlns:r="http://schemas.openxmlformats.org/officeDocument/2006/relationships" xmlns:p="http://schemas.openxmlformats.org/presentationml/2006/main">
+  <p:cSld>
+    <p:spTree>
+      <p:nvGrpSpPr>
+        <p:cNvPr id="1" name=""/>
+        <p:cNvGrpSpPr/>
+        <p:nvPr/>
+      </p:nvGrpSpPr>
+      <p:grpSpPr>
+        <a:xfrm>
+          <a:off x="0" y="0"/>
+          <a:ext cx="0" cy="0"/>
+          <a:chOff x="0" y="0"/>
+          <a:chExt cx="0" cy="0"/>
+        </a:xfrm>
+      </p:grpSpPr>
+      <p:sp>
+        <p:nvSpPr>
+          <p:cNvPr id="4" name="Rounded Rectangle 3">
+            <a:extLst>
+              <a:ext uri="{FF2B5EF4-FFF2-40B4-BE49-F238E27FC236}">
+                <a16:creationId xmlns:a16="http://schemas.microsoft.com/office/drawing/2014/main" id="{CB87766E-F00F-51EC-1BAE-3066F27E278D}"/>
+              </a:ext>
+            </a:extLst>
+          </p:cNvPr>
+          <p:cNvSpPr/>
+          <p:nvPr/>
+        </p:nvSpPr>
+        <p:spPr>
+          <a:xfrm>
+            <a:off x="73572" y="70945"/>
+            <a:ext cx="12044855" cy="6716110"/>
+          </a:xfrm>
+          <a:prstGeom prst="roundRect">
+            <a:avLst>
+              <a:gd name="adj" fmla="val 3579"/>
+            </a:avLst>
+          </a:prstGeom>
+          <a:solidFill>
+            <a:srgbClr val="EDF6FA"/>
+          </a:solidFill>
+          <a:ln>
+            <a:noFill/>
+          </a:ln>
+        </p:spPr>
+        <p:style>
+          <a:lnRef idx="2">
+            <a:schemeClr val="accent1">
+              <a:shade val="15000"/>
+            </a:schemeClr>
+          </a:lnRef>
+          <a:fillRef idx="1">
+            <a:schemeClr val="accent1"/>
+          </a:fillRef>
+          <a:effectRef idx="0">
+            <a:schemeClr val="accent1"/>
+          </a:effectRef>
+          <a:fontRef idx="minor">
+            <a:schemeClr val="lt1"/>
+          </a:fontRef>
+        </p:style>
+        <p:txBody>
+          <a:bodyPr rtlCol="0" anchor="ctr"/>
+          <a:lstStyle/>
+          <a:p>
+            <a:pPr algn="ctr"/>
+            <a:endParaRPr lang="en-US" dirty="0"/>
+          </a:p>
+        </p:txBody>
+      </p:sp>
+      <p:sp>
+        <p:nvSpPr>
+          <p:cNvPr id="5" name="Rounded Rectangle 4">
+            <a:extLst>
+              <a:ext uri="{FF2B5EF4-FFF2-40B4-BE49-F238E27FC236}">
+                <a16:creationId xmlns:a16="http://schemas.microsoft.com/office/drawing/2014/main" id="{8055D5CB-D4DE-46C2-4807-758ABAA2D2B9}"/>
+              </a:ext>
+            </a:extLst>
+          </p:cNvPr>
+          <p:cNvSpPr/>
+          <p:nvPr/>
+        </p:nvSpPr>
+        <p:spPr>
+          <a:xfrm>
+            <a:off x="203483" y="229837"/>
+            <a:ext cx="2802253" cy="354724"/>
+          </a:xfrm>
+          <a:prstGeom prst="roundRect">
+            <a:avLst>
+              <a:gd name="adj" fmla="val 22875"/>
+            </a:avLst>
+          </a:prstGeom>
+          <a:solidFill>
+            <a:srgbClr val="E29578"/>
+          </a:solidFill>
+          <a:ln>
+            <a:noFill/>
+          </a:ln>
+        </p:spPr>
+        <p:style>
+          <a:lnRef idx="2">
+            <a:schemeClr val="accent1">
+              <a:shade val="15000"/>
+            </a:schemeClr>
+          </a:lnRef>
+          <a:fillRef idx="1">
+            <a:schemeClr val="accent1"/>
+          </a:fillRef>
+          <a:effectRef idx="0">
+            <a:schemeClr val="accent1"/>
+          </a:effectRef>
+          <a:fontRef idx="minor">
+            <a:schemeClr val="lt1"/>
+          </a:fontRef>
+        </p:style>
+        <p:txBody>
+          <a:bodyPr rtlCol="0" anchor="ctr"/>
+          <a:lstStyle/>
+          <a:p>
+            <a:pPr algn="ctr"/>
+            <a:r>
+              <a:rPr lang="en-US" b="1" dirty="0">
+                <a:latin typeface="Baloo 2" panose="03080502040302020200" pitchFamily="66" charset="77"/>
+                <a:cs typeface="Baloo 2" panose="03080502040302020200" pitchFamily="66" charset="77"/>
+              </a:rPr>
+              <a:t>Retrieve Value</a:t>
+            </a:r>
+          </a:p>
+        </p:txBody>
+      </p:sp>
+      <p:pic>
+        <p:nvPicPr>
+          <p:cNvPr id="9" name="Picture 8" descr="A group of blue dots&#10;&#10;Description automatically generated">
+            <a:extLst>
+              <a:ext uri="{FF2B5EF4-FFF2-40B4-BE49-F238E27FC236}">
+                <a16:creationId xmlns:a16="http://schemas.microsoft.com/office/drawing/2014/main" id="{10C9B021-0456-D961-B87D-3076175AD6E8}"/>
+              </a:ext>
+            </a:extLst>
+          </p:cNvPr>
+          <p:cNvPicPr>
+            <a:picLocks noChangeAspect="1"/>
+          </p:cNvPicPr>
+          <p:nvPr/>
+        </p:nvPicPr>
+        <p:blipFill>
+          <a:blip r:embed="rId2"/>
+          <a:stretch>
+            <a:fillRect/>
+          </a:stretch>
+        </p:blipFill>
+        <p:spPr>
+          <a:xfrm>
+            <a:off x="343379" y="4779169"/>
+            <a:ext cx="2522462" cy="1671632"/>
+          </a:xfrm>
+          <a:prstGeom prst="rect">
+            <a:avLst/>
+          </a:prstGeom>
+        </p:spPr>
+      </p:pic>
+      <p:sp>
+        <p:nvSpPr>
+          <p:cNvPr id="10" name="Rounded Rectangle 9">
+            <a:extLst>
+              <a:ext uri="{FF2B5EF4-FFF2-40B4-BE49-F238E27FC236}">
+                <a16:creationId xmlns:a16="http://schemas.microsoft.com/office/drawing/2014/main" id="{FBF4F772-9162-0A6C-50C3-C96DC9631B9A}"/>
+              </a:ext>
+            </a:extLst>
+          </p:cNvPr>
+          <p:cNvSpPr/>
+          <p:nvPr/>
+        </p:nvSpPr>
+        <p:spPr>
+          <a:xfrm>
+            <a:off x="343379" y="4296177"/>
+            <a:ext cx="2522462" cy="354724"/>
+          </a:xfrm>
+          <a:prstGeom prst="roundRect">
+            <a:avLst>
+              <a:gd name="adj" fmla="val 22875"/>
+            </a:avLst>
+          </a:prstGeom>
+          <a:solidFill>
+            <a:srgbClr val="E29578"/>
+          </a:solidFill>
+          <a:ln>
+            <a:noFill/>
+          </a:ln>
+        </p:spPr>
+        <p:style>
+          <a:lnRef idx="2">
+            <a:schemeClr val="accent1">
+              <a:shade val="15000"/>
+            </a:schemeClr>
+          </a:lnRef>
+          <a:fillRef idx="1">
+            <a:schemeClr val="accent1"/>
+          </a:fillRef>
+          <a:effectRef idx="0">
+            <a:schemeClr val="accent1"/>
+          </a:effectRef>
+          <a:fontRef idx="minor">
+            <a:schemeClr val="lt1"/>
+          </a:fontRef>
+        </p:style>
+        <p:txBody>
+          <a:bodyPr rtlCol="0" anchor="ctr"/>
+          <a:lstStyle/>
+          <a:p>
+            <a:pPr algn="ctr"/>
+            <a:r>
+              <a:rPr lang="en-US" b="1" dirty="0">
+                <a:latin typeface="Baloo 2" panose="03080502040302020200" pitchFamily="66" charset="77"/>
+                <a:cs typeface="Baloo 2" panose="03080502040302020200" pitchFamily="66" charset="77"/>
+              </a:rPr>
+              <a:t>Cluster</a:t>
+            </a:r>
+          </a:p>
+        </p:txBody>
+      </p:sp>
+      <p:sp>
+        <p:nvSpPr>
+          <p:cNvPr id="11" name="Snip and Round Single Corner Rectangle 10">
+            <a:extLst>
+              <a:ext uri="{FF2B5EF4-FFF2-40B4-BE49-F238E27FC236}">
+                <a16:creationId xmlns:a16="http://schemas.microsoft.com/office/drawing/2014/main" id="{0357E7AD-0EEE-88E2-0F83-A39EC65ECF8F}"/>
+              </a:ext>
+            </a:extLst>
+          </p:cNvPr>
+          <p:cNvSpPr/>
+          <p:nvPr/>
+        </p:nvSpPr>
+        <p:spPr>
+          <a:xfrm>
+            <a:off x="3246124" y="4779169"/>
+            <a:ext cx="3454715" cy="1671632"/>
+          </a:xfrm>
+          <a:prstGeom prst="snipRoundRect">
+            <a:avLst/>
+          </a:prstGeom>
+          <a:solidFill>
+            <a:srgbClr val="83C6BF"/>
+          </a:solidFill>
+          <a:ln>
+            <a:noFill/>
+          </a:ln>
+        </p:spPr>
+        <p:style>
+          <a:lnRef idx="2">
+            <a:schemeClr val="accent1">
+              <a:shade val="15000"/>
+            </a:schemeClr>
+          </a:lnRef>
+          <a:fillRef idx="1">
+            <a:schemeClr val="accent1"/>
+          </a:fillRef>
+          <a:effectRef idx="0">
+            <a:schemeClr val="accent1"/>
+          </a:effectRef>
+          <a:fontRef idx="minor">
+            <a:schemeClr val="lt1"/>
+          </a:fontRef>
+        </p:style>
+        <p:txBody>
+          <a:bodyPr rtlCol="0" anchor="t"/>
+          <a:lstStyle/>
+          <a:p>
+            <a:r>
+              <a:rPr lang="en-US" sz="1200" b="1" dirty="0"/>
+              <a:t>Prompt</a:t>
+            </a:r>
+          </a:p>
+          <a:p>
+            <a:r>
+              <a:rPr lang="en-US" sz="1100" dirty="0"/>
+              <a:t>&lt;input&gt;: SVG of a scatterplot</a:t>
+            </a:r>
+          </a:p>
+          <a:p>
+            <a:r>
+              <a:rPr lang="en-US" sz="1100" dirty="0"/>
+              <a:t>&lt;output&gt;: SVG of a scatterplot with clusters highlighted in different colors</a:t>
+            </a:r>
+          </a:p>
+          <a:p>
+            <a:endParaRPr lang="en-US" sz="1100" dirty="0"/>
+          </a:p>
+          <a:p>
+            <a:pPr marL="228600" indent="-228600">
+              <a:buAutoNum type="arabicPeriod"/>
+            </a:pPr>
+            <a:r>
+              <a:rPr lang="en-US" sz="1100" dirty="0"/>
+              <a:t>Extract the data coordinates…</a:t>
+            </a:r>
+          </a:p>
+          <a:p>
+            <a:pPr marL="228600" indent="-228600">
+              <a:buAutoNum type="arabicPeriod"/>
+            </a:pPr>
+            <a:r>
+              <a:rPr lang="en-US" sz="1100" dirty="0"/>
+              <a:t>…</a:t>
+            </a:r>
+          </a:p>
+          <a:p>
+            <a:endParaRPr lang="en-US" sz="1100" dirty="0"/>
+          </a:p>
+          <a:p>
+            <a:r>
+              <a:rPr lang="en-US" sz="1100" dirty="0"/>
+              <a:t>&lt;</a:t>
+            </a:r>
+            <a:r>
+              <a:rPr lang="en-US" sz="1100" i="1" dirty="0"/>
+              <a:t>SVG code of the input chart</a:t>
+            </a:r>
+            <a:r>
+              <a:rPr lang="en-US" sz="1100" dirty="0"/>
+              <a:t>&gt;</a:t>
+            </a:r>
+          </a:p>
+        </p:txBody>
+      </p:sp>
+      <p:sp>
+        <p:nvSpPr>
+          <p:cNvPr id="12" name="Rounded Rectangle 11">
+            <a:extLst>
+              <a:ext uri="{FF2B5EF4-FFF2-40B4-BE49-F238E27FC236}">
+                <a16:creationId xmlns:a16="http://schemas.microsoft.com/office/drawing/2014/main" id="{58EE14BF-9815-9469-F468-596F87158F18}"/>
+              </a:ext>
+            </a:extLst>
+          </p:cNvPr>
+          <p:cNvSpPr/>
+          <p:nvPr/>
+        </p:nvSpPr>
+        <p:spPr>
+          <a:xfrm>
+            <a:off x="7040880" y="229837"/>
+            <a:ext cx="2471736" cy="354724"/>
+          </a:xfrm>
+          <a:prstGeom prst="roundRect">
+            <a:avLst>
+              <a:gd name="adj" fmla="val 22875"/>
+            </a:avLst>
+          </a:prstGeom>
+          <a:solidFill>
+            <a:srgbClr val="FFDDD2"/>
+          </a:solidFill>
+          <a:ln>
+            <a:noFill/>
+          </a:ln>
+        </p:spPr>
+        <p:style>
+          <a:lnRef idx="2">
+            <a:schemeClr val="accent1">
+              <a:shade val="15000"/>
+            </a:schemeClr>
+          </a:lnRef>
+          <a:fillRef idx="1">
+            <a:schemeClr val="accent1"/>
+          </a:fillRef>
+          <a:effectRef idx="0">
+            <a:schemeClr val="accent1"/>
+          </a:effectRef>
+          <a:fontRef idx="minor">
+            <a:schemeClr val="lt1"/>
+          </a:fontRef>
+        </p:style>
+        <p:txBody>
+          <a:bodyPr rtlCol="0" anchor="ctr"/>
+          <a:lstStyle/>
+          <a:p>
+            <a:pPr algn="ctr"/>
+            <a:r>
+              <a:rPr lang="en-US" b="1" dirty="0">
+                <a:solidFill>
+                  <a:srgbClr val="006D77"/>
+                </a:solidFill>
+                <a:latin typeface="Baloo 2" panose="03080502040302020200" pitchFamily="66" charset="77"/>
+                <a:cs typeface="Baloo 2" panose="03080502040302020200" pitchFamily="66" charset="77"/>
+              </a:rPr>
+              <a:t>Successful responses</a:t>
+            </a:r>
+          </a:p>
+        </p:txBody>
+      </p:sp>
+      <p:sp>
+        <p:nvSpPr>
+          <p:cNvPr id="13" name="Rounded Rectangle 12">
+            <a:extLst>
+              <a:ext uri="{FF2B5EF4-FFF2-40B4-BE49-F238E27FC236}">
+                <a16:creationId xmlns:a16="http://schemas.microsoft.com/office/drawing/2014/main" id="{24760A1B-1487-92C0-5EFF-3A9BADE69FDC}"/>
+              </a:ext>
+            </a:extLst>
+          </p:cNvPr>
+          <p:cNvSpPr/>
+          <p:nvPr/>
+        </p:nvSpPr>
+        <p:spPr>
+          <a:xfrm>
+            <a:off x="9579654" y="229837"/>
+            <a:ext cx="2471735" cy="354724"/>
+          </a:xfrm>
+          <a:prstGeom prst="roundRect">
+            <a:avLst>
+              <a:gd name="adj" fmla="val 22875"/>
+            </a:avLst>
+          </a:prstGeom>
+          <a:solidFill>
+            <a:srgbClr val="FFDDD2"/>
+          </a:solidFill>
+          <a:ln>
+            <a:noFill/>
+          </a:ln>
+        </p:spPr>
+        <p:style>
+          <a:lnRef idx="2">
+            <a:schemeClr val="accent1">
+              <a:shade val="15000"/>
+            </a:schemeClr>
+          </a:lnRef>
+          <a:fillRef idx="1">
+            <a:schemeClr val="accent1"/>
+          </a:fillRef>
+          <a:effectRef idx="0">
+            <a:schemeClr val="accent1"/>
+          </a:effectRef>
+          <a:fontRef idx="minor">
+            <a:schemeClr val="lt1"/>
+          </a:fontRef>
+        </p:style>
+        <p:txBody>
+          <a:bodyPr rtlCol="0" anchor="ctr"/>
+          <a:lstStyle/>
+          <a:p>
+            <a:pPr algn="ctr"/>
+            <a:r>
+              <a:rPr lang="en-US" b="1" dirty="0">
+                <a:solidFill>
+                  <a:srgbClr val="006D77"/>
+                </a:solidFill>
+                <a:latin typeface="Baloo 2" panose="03080502040302020200" pitchFamily="66" charset="77"/>
+                <a:cs typeface="Baloo 2" panose="03080502040302020200" pitchFamily="66" charset="77"/>
+              </a:rPr>
+              <a:t>Failed response</a:t>
+            </a:r>
+          </a:p>
+        </p:txBody>
+      </p:sp>
+      <p:pic>
+        <p:nvPicPr>
+          <p:cNvPr id="19" name="Picture 18" descr="A group of colorful dots&#10;&#10;Description automatically generated">
+            <a:extLst>
+              <a:ext uri="{FF2B5EF4-FFF2-40B4-BE49-F238E27FC236}">
+                <a16:creationId xmlns:a16="http://schemas.microsoft.com/office/drawing/2014/main" id="{33EB0C19-E541-7928-AC5A-E82B7B96AFB4}"/>
+              </a:ext>
+            </a:extLst>
+          </p:cNvPr>
+          <p:cNvPicPr>
+            <a:picLocks noChangeAspect="1"/>
+          </p:cNvPicPr>
+          <p:nvPr/>
+        </p:nvPicPr>
+        <p:blipFill>
+          <a:blip r:embed="rId3"/>
+          <a:stretch>
+            <a:fillRect/>
+          </a:stretch>
+        </p:blipFill>
+        <p:spPr>
+          <a:xfrm>
+            <a:off x="6933683" y="4809994"/>
+            <a:ext cx="2475949" cy="1640807"/>
+          </a:xfrm>
+          <a:prstGeom prst="rect">
+            <a:avLst/>
+          </a:prstGeom>
+        </p:spPr>
+      </p:pic>
+    </p:spTree>
+    <p:extLst>
+      <p:ext uri="{BB962C8B-B14F-4D97-AF65-F5344CB8AC3E}">
+        <p14:creationId xmlns:p14="http://schemas.microsoft.com/office/powerpoint/2010/main" val="2836074299"/>
+      </p:ext>
+    </p:extLst>
+  </p:cSld>
+  <p:clrMapOvr>
+    <a:masterClrMapping/>
+  </p:clrMapOvr>
+</p:sld>
+</file>
+
+<file path=ppt/slides/slide3.xml><?xml version="1.0" encoding="utf-8"?>
+<p:sld xmlns:a="http://schemas.openxmlformats.org/drawingml/2006/main" xmlns:r="http://schemas.openxmlformats.org/officeDocument/2006/relationships" xmlns:p="http://schemas.openxmlformats.org/presentationml/2006/main">
+  <p:cSld>
+    <p:spTree>
+      <p:nvGrpSpPr>
+        <p:cNvPr id="1" name=""/>
+        <p:cNvGrpSpPr/>
+        <p:nvPr/>
+      </p:nvGrpSpPr>
+      <p:grpSpPr>
+        <a:xfrm>
+          <a:off x="0" y="0"/>
+          <a:ext cx="0" cy="0"/>
+          <a:chOff x="0" y="0"/>
+          <a:chExt cx="0" cy="0"/>
+        </a:xfrm>
+      </p:grpSpPr>
+      <p:pic>
+        <p:nvPicPr>
+          <p:cNvPr id="10" name="Picture 9" descr="A line graph with a blue line&#10;&#10;Description automatically generated">
+            <a:extLst>
+              <a:ext uri="{FF2B5EF4-FFF2-40B4-BE49-F238E27FC236}">
+                <a16:creationId xmlns:a16="http://schemas.microsoft.com/office/drawing/2014/main" id="{78CDEDFB-6835-814C-7D5F-3F91FC3EF783}"/>
+              </a:ext>
+            </a:extLst>
+          </p:cNvPr>
+          <p:cNvPicPr>
+            <a:picLocks noChangeAspect="1"/>
+          </p:cNvPicPr>
+          <p:nvPr/>
+        </p:nvPicPr>
+        <p:blipFill>
+          <a:blip r:embed="rId2"/>
+          <a:stretch>
+            <a:fillRect/>
+          </a:stretch>
+        </p:blipFill>
+        <p:spPr>
+          <a:xfrm>
+            <a:off x="2294731" y="990600"/>
+            <a:ext cx="6502400" cy="4876800"/>
+          </a:xfrm>
+          <a:prstGeom prst="rect">
+            <a:avLst/>
+          </a:prstGeom>
+        </p:spPr>
+      </p:pic>
+      <p:grpSp>
+        <p:nvGrpSpPr>
+          <p:cNvPr id="12" name="Group 11">
+            <a:extLst>
+              <a:ext uri="{FF2B5EF4-FFF2-40B4-BE49-F238E27FC236}">
+                <a16:creationId xmlns:a16="http://schemas.microsoft.com/office/drawing/2014/main" id="{82E318A1-368C-5EC8-8901-4F21BF36C012}"/>
+              </a:ext>
+            </a:extLst>
+          </p:cNvPr>
+          <p:cNvGrpSpPr/>
+          <p:nvPr/>
+        </p:nvGrpSpPr>
+        <p:grpSpPr>
+          <a:xfrm>
+            <a:off x="6515100" y="4907758"/>
+            <a:ext cx="1928813" cy="556758"/>
+            <a:chOff x="6343650" y="4757739"/>
+            <a:chExt cx="1928813" cy="556758"/>
+          </a:xfrm>
+        </p:grpSpPr>
+        <p:sp>
+          <p:nvSpPr>
+            <p:cNvPr id="6" name="Rectangle 5">
+              <a:extLst>
+                <a:ext uri="{FF2B5EF4-FFF2-40B4-BE49-F238E27FC236}">
+                  <a16:creationId xmlns:a16="http://schemas.microsoft.com/office/drawing/2014/main" id="{93DDEA7A-46CD-ACC1-CB0E-35C5A347A84B}"/>
+                </a:ext>
+              </a:extLst>
+            </p:cNvPr>
+            <p:cNvSpPr/>
+            <p:nvPr/>
+          </p:nvSpPr>
+          <p:spPr>
+            <a:xfrm>
+              <a:off x="6343650" y="4757739"/>
+              <a:ext cx="1928813" cy="556758"/>
+            </a:xfrm>
+            <a:prstGeom prst="rect">
+              <a:avLst/>
+            </a:prstGeom>
+            <a:solidFill>
+              <a:srgbClr val="EDF6FA"/>
+            </a:solidFill>
+            <a:ln>
+              <a:noFill/>
+            </a:ln>
+          </p:spPr>
+          <p:style>
+            <a:lnRef idx="2">
+              <a:schemeClr val="accent1">
+                <a:shade val="15000"/>
+              </a:schemeClr>
+            </a:lnRef>
+            <a:fillRef idx="1">
+              <a:schemeClr val="accent1"/>
+            </a:fillRef>
+            <a:effectRef idx="0">
+              <a:schemeClr val="accent1"/>
+            </a:effectRef>
+            <a:fontRef idx="minor">
+              <a:schemeClr val="lt1"/>
+            </a:fontRef>
+          </p:style>
+          <p:txBody>
+            <a:bodyPr rtlCol="0" anchor="t"/>
+            <a:lstStyle/>
+            <a:p>
+              <a:r>
+                <a:rPr lang="en-US" sz="1400" dirty="0">
+                  <a:solidFill>
+                    <a:schemeClr val="tx1"/>
+                  </a:solidFill>
+                </a:rPr>
+                <a:t>       Input line chart</a:t>
+              </a:r>
+            </a:p>
+            <a:p>
+              <a:r>
+                <a:rPr lang="en-US" sz="1400" dirty="0">
+                  <a:solidFill>
+                    <a:schemeClr val="tx1"/>
+                  </a:solidFill>
+                </a:rPr>
+                <a:t>       Retrieved line</a:t>
+              </a:r>
+            </a:p>
+          </p:txBody>
+        </p:sp>
+        <p:sp>
+          <p:nvSpPr>
+            <p:cNvPr id="7" name="Oval 6">
+              <a:extLst>
+                <a:ext uri="{FF2B5EF4-FFF2-40B4-BE49-F238E27FC236}">
+                  <a16:creationId xmlns:a16="http://schemas.microsoft.com/office/drawing/2014/main" id="{97DEA2E3-ED4D-22A4-4BA8-762495908B20}"/>
+                </a:ext>
+              </a:extLst>
+            </p:cNvPr>
+            <p:cNvSpPr/>
+            <p:nvPr/>
+          </p:nvSpPr>
+          <p:spPr>
+            <a:xfrm>
+              <a:off x="6515190" y="5064181"/>
+              <a:ext cx="94610" cy="106022"/>
+            </a:xfrm>
+            <a:prstGeom prst="ellipse">
+              <a:avLst/>
+            </a:prstGeom>
+            <a:ln>
+              <a:noFill/>
+            </a:ln>
+          </p:spPr>
+          <p:style>
+            <a:lnRef idx="2">
+              <a:schemeClr val="accent1">
+                <a:shade val="15000"/>
+              </a:schemeClr>
+            </a:lnRef>
+            <a:fillRef idx="1">
+              <a:schemeClr val="accent1"/>
+            </a:fillRef>
+            <a:effectRef idx="0">
+              <a:schemeClr val="accent1"/>
+            </a:effectRef>
+            <a:fontRef idx="minor">
+              <a:schemeClr val="lt1"/>
+            </a:fontRef>
+          </p:style>
+          <p:txBody>
+            <a:bodyPr rtlCol="0" anchor="ctr"/>
+            <a:lstStyle/>
+            <a:p>
+              <a:pPr algn="ctr"/>
+              <a:endParaRPr lang="en-US"/>
+            </a:p>
+          </p:txBody>
+        </p:sp>
+        <p:sp>
+          <p:nvSpPr>
+            <p:cNvPr id="8" name="Oval 7">
+              <a:extLst>
+                <a:ext uri="{FF2B5EF4-FFF2-40B4-BE49-F238E27FC236}">
+                  <a16:creationId xmlns:a16="http://schemas.microsoft.com/office/drawing/2014/main" id="{2C5FCF2E-D9B1-5D16-DCD1-FCBA983D51BB}"/>
+                </a:ext>
+              </a:extLst>
+            </p:cNvPr>
+            <p:cNvSpPr/>
+            <p:nvPr/>
+          </p:nvSpPr>
+          <p:spPr>
+            <a:xfrm>
+              <a:off x="6515190" y="4857949"/>
+              <a:ext cx="94610" cy="106022"/>
+            </a:xfrm>
+            <a:prstGeom prst="ellipse">
+              <a:avLst/>
+            </a:prstGeom>
+            <a:solidFill>
+              <a:srgbClr val="E29578"/>
+            </a:solidFill>
+            <a:ln>
+              <a:noFill/>
+            </a:ln>
+          </p:spPr>
+          <p:style>
+            <a:lnRef idx="2">
+              <a:schemeClr val="accent1">
+                <a:shade val="15000"/>
+              </a:schemeClr>
+            </a:lnRef>
+            <a:fillRef idx="1">
+              <a:schemeClr val="accent1"/>
+            </a:fillRef>
+            <a:effectRef idx="0">
+              <a:schemeClr val="accent1"/>
+            </a:effectRef>
+            <a:fontRef idx="minor">
+              <a:schemeClr val="lt1"/>
+            </a:fontRef>
+          </p:style>
+          <p:txBody>
+            <a:bodyPr rtlCol="0" anchor="ctr"/>
+            <a:lstStyle/>
+            <a:p>
+              <a:pPr algn="ctr"/>
+              <a:endParaRPr lang="en-US"/>
+            </a:p>
+          </p:txBody>
+        </p:sp>
+      </p:grpSp>
+    </p:spTree>
+    <p:extLst>
+      <p:ext uri="{BB962C8B-B14F-4D97-AF65-F5344CB8AC3E}">
+        <p14:creationId xmlns:p14="http://schemas.microsoft.com/office/powerpoint/2010/main" val="1124489387"/>
+      </p:ext>
+    </p:extLst>
+  </p:cSld>
+  <p:clrMapOvr>
+    <a:masterClrMapping/>
+  </p:clrMapOvr>
+</p:sld>
+</file>
+
+<file path=ppt/slides/slide4.xml><?xml version="1.0" encoding="utf-8"?>
+<p:sld xmlns:a="http://schemas.openxmlformats.org/drawingml/2006/main" xmlns:r="http://schemas.openxmlformats.org/officeDocument/2006/relationships" xmlns:p="http://schemas.openxmlformats.org/presentationml/2006/main">
+  <p:cSld>
+    <p:spTree>
+      <p:nvGrpSpPr>
+        <p:cNvPr id="1" name=""/>
+        <p:cNvGrpSpPr/>
+        <p:nvPr/>
+      </p:nvGrpSpPr>
+      <p:grpSpPr>
+        <a:xfrm>
+          <a:off x="0" y="0"/>
+          <a:ext cx="0" cy="0"/>
+          <a:chOff x="0" y="0"/>
+          <a:chExt cx="0" cy="0"/>
+        </a:xfrm>
+      </p:grpSpPr>
+      <p:sp>
+        <p:nvSpPr>
+          <p:cNvPr id="4" name="Snip and Round Single Corner Rectangle 3">
+            <a:extLst>
+              <a:ext uri="{FF2B5EF4-FFF2-40B4-BE49-F238E27FC236}">
+                <a16:creationId xmlns:a16="http://schemas.microsoft.com/office/drawing/2014/main" id="{5BDF06BB-5281-D5B5-6B82-550EF9355E01}"/>
+              </a:ext>
+            </a:extLst>
+          </p:cNvPr>
+          <p:cNvSpPr/>
+          <p:nvPr/>
+        </p:nvSpPr>
+        <p:spPr>
+          <a:xfrm>
+            <a:off x="2622451" y="978696"/>
+            <a:ext cx="3769038" cy="2622537"/>
+          </a:xfrm>
+          <a:prstGeom prst="snipRoundRect">
+            <a:avLst/>
+          </a:prstGeom>
+          <a:solidFill>
+            <a:srgbClr val="83C6BF"/>
+          </a:solidFill>
+          <a:ln>
+            <a:noFill/>
+          </a:ln>
+        </p:spPr>
+        <p:style>
+          <a:lnRef idx="2">
+            <a:schemeClr val="accent1">
+              <a:shade val="15000"/>
+            </a:schemeClr>
+          </a:lnRef>
+          <a:fillRef idx="1">
+            <a:schemeClr val="accent1"/>
+          </a:fillRef>
+          <a:effectRef idx="0">
+            <a:schemeClr val="accent1"/>
+          </a:effectRef>
+          <a:fontRef idx="minor">
+            <a:schemeClr val="lt1"/>
+          </a:fontRef>
+        </p:style>
+        <p:txBody>
+          <a:bodyPr rtlCol="0" anchor="t"/>
+          <a:lstStyle/>
+          <a:p>
+            <a:r>
+              <a:rPr lang="en-US" sz="900" b="0" i="1" dirty="0">
+                <a:solidFill>
+                  <a:schemeClr val="bg1"/>
+                </a:solidFill>
+                <a:effectLst/>
+                <a:latin typeface="Söhne"/>
+              </a:rPr>
+              <a:t>&lt;input&gt;: An SVG scatter plot with n points.</a:t>
+            </a:r>
+          </a:p>
+          <a:p>
+            <a:r>
+              <a:rPr lang="en-US" sz="900" b="0" i="1" dirty="0">
+                <a:solidFill>
+                  <a:schemeClr val="bg1"/>
+                </a:solidFill>
+                <a:effectLst/>
+                <a:latin typeface="Söhne"/>
+              </a:rPr>
+              <a:t>&lt;output&gt;: SVG code only and no other textual response</a:t>
+            </a:r>
+          </a:p>
+          <a:p>
+            <a:r>
+              <a:rPr lang="en-US" sz="900" b="1" i="0" dirty="0">
+                <a:solidFill>
+                  <a:schemeClr val="bg1"/>
+                </a:solidFill>
+                <a:effectLst/>
+                <a:latin typeface="Söhne"/>
+              </a:rPr>
+              <a:t>Instructions: </a:t>
+            </a:r>
+          </a:p>
+          <a:p>
+            <a:pPr marL="228600" indent="-228600">
+              <a:buAutoNum type="arabicPeriod"/>
+            </a:pPr>
+            <a:r>
+              <a:rPr lang="en-US" sz="900" b="0" i="0" dirty="0">
+                <a:solidFill>
+                  <a:schemeClr val="bg1"/>
+                </a:solidFill>
+                <a:effectLst/>
+                <a:latin typeface="Söhne"/>
+              </a:rPr>
+              <a:t>Identify the outlier in the scatter plot, defined as data points that significantly deviate from the clusters.</a:t>
+            </a:r>
+          </a:p>
+          <a:p>
+            <a:pPr marL="228600" indent="-228600">
+              <a:buAutoNum type="arabicPeriod"/>
+            </a:pPr>
+            <a:r>
+              <a:rPr lang="en-US" sz="900" b="0" i="0" dirty="0">
+                <a:solidFill>
+                  <a:schemeClr val="bg1"/>
+                </a:solidFill>
+                <a:effectLst/>
+                <a:latin typeface="Söhne"/>
+              </a:rPr>
+              <a:t>Reconstruct the SVG scatter plot, coloring the outlier with a different color compared to the rest of the points.</a:t>
+            </a:r>
+          </a:p>
+          <a:p>
+            <a:pPr marL="228600" indent="-228600">
+              <a:buAutoNum type="arabicPeriod"/>
+            </a:pPr>
+            <a:r>
+              <a:rPr lang="en-US" sz="900" b="0" i="0" dirty="0">
+                <a:solidFill>
+                  <a:schemeClr val="bg1"/>
+                </a:solidFill>
+                <a:effectLst/>
+                <a:latin typeface="Söhne"/>
+              </a:rPr>
+              <a:t>Omit the axes, title, legends, and any other unnecessary elements in the reconstructed SVG.</a:t>
+            </a:r>
+          </a:p>
+          <a:p>
+            <a:pPr marL="228600" indent="-228600">
+              <a:buAutoNum type="arabicPeriod"/>
+            </a:pPr>
+            <a:r>
+              <a:rPr lang="en-US" sz="900" b="0" i="0" dirty="0">
+                <a:solidFill>
+                  <a:schemeClr val="bg1"/>
+                </a:solidFill>
+                <a:effectLst/>
+                <a:latin typeface="Söhne"/>
+              </a:rPr>
+              <a:t>Ensure that the reconstructed SVG contains only the data points, with the same number of points as the input SVG.</a:t>
+            </a:r>
+          </a:p>
+          <a:p>
+            <a:pPr marL="228600" indent="-228600">
+              <a:buAutoNum type="arabicPeriod"/>
+            </a:pPr>
+            <a:r>
+              <a:rPr lang="en-US" sz="900" b="0" i="0" dirty="0">
+                <a:solidFill>
+                  <a:schemeClr val="bg1"/>
+                </a:solidFill>
+                <a:effectLst/>
+                <a:latin typeface="Söhne"/>
+              </a:rPr>
+              <a:t>Include the necessary shape definitions in the reconstructed SVG code. Please provide the complete SVG code for the scatter plot with the outliers colored differently, without any additional textual response. </a:t>
+            </a:r>
+            <a:endParaRPr lang="en-US" sz="900" dirty="0">
+              <a:solidFill>
+                <a:schemeClr val="bg1"/>
+              </a:solidFill>
+              <a:latin typeface="Söhne"/>
+            </a:endParaRPr>
+          </a:p>
+          <a:p>
+            <a:r>
+              <a:rPr lang="en-US" sz="900" b="1" dirty="0">
+                <a:solidFill>
+                  <a:schemeClr val="bg1"/>
+                </a:solidFill>
+              </a:rPr>
+              <a:t>&lt;</a:t>
+            </a:r>
+            <a:r>
+              <a:rPr lang="en-US" sz="900" b="1" i="1" dirty="0">
+                <a:solidFill>
+                  <a:schemeClr val="bg1"/>
+                </a:solidFill>
+              </a:rPr>
+              <a:t>SVG code of the input chart</a:t>
+            </a:r>
+            <a:r>
+              <a:rPr lang="en-US" sz="900" b="1" dirty="0">
+                <a:solidFill>
+                  <a:schemeClr val="bg1"/>
+                </a:solidFill>
+              </a:rPr>
+              <a:t>&gt;</a:t>
+            </a:r>
+            <a:br>
+              <a:rPr lang="en-US" sz="900" b="1" dirty="0">
+                <a:solidFill>
+                  <a:schemeClr val="bg1"/>
+                </a:solidFill>
+              </a:rPr>
+            </a:br>
+            <a:r>
+              <a:rPr lang="en-US" sz="900" b="1" dirty="0">
+                <a:solidFill>
+                  <a:schemeClr val="bg1"/>
+                </a:solidFill>
+              </a:rPr>
+              <a:t>…</a:t>
+            </a:r>
+          </a:p>
+        </p:txBody>
+      </p:sp>
+    </p:spTree>
+    <p:extLst>
+      <p:ext uri="{BB962C8B-B14F-4D97-AF65-F5344CB8AC3E}">
+        <p14:creationId xmlns:p14="http://schemas.microsoft.com/office/powerpoint/2010/main" val="900640231"/>
       </p:ext>
     </p:extLst>
   </p:cSld>
